--- a/deprem sonrası afet yönetimi/proje.pptx
+++ b/deprem sonrası afet yönetimi/proje.pptx
@@ -26207,13 +26207,13 @@
         </p:nvSpPr>
         <p:spPr>
           <a:xfrm>
-            <a:off x="3429000" y="775412"/>
-            <a:ext cx="7391400" cy="2593263"/>
+            <a:off x="3428999" y="775413"/>
+            <a:ext cx="7448909" cy="2196388"/>
           </a:xfrm>
         </p:spPr>
         <p:txBody>
           <a:bodyPr vert="horz" lIns="91440" tIns="45720" rIns="91440" bIns="45720" rtlCol="0" anchor="b">
-            <a:normAutofit/>
+            <a:normAutofit fontScale="90000"/>
           </a:bodyPr>
           <a:lstStyle/>
           <a:p>
@@ -26227,6 +26227,22 @@
               <a:t>Deprem</a:t>
             </a:r>
             <a:r>
+              <a:rPr lang="tr-TR" sz="5200" dirty="0">
+                <a:solidFill>
+                  <a:schemeClr val="tx2"/>
+                </a:solidFill>
+              </a:rPr>
+              <a:t> </a:t>
+            </a:r>
+            <a:r>
+              <a:rPr lang="en-US" sz="5200" dirty="0" err="1">
+                <a:solidFill>
+                  <a:schemeClr val="tx2"/>
+                </a:solidFill>
+              </a:rPr>
+              <a:t>Sonrasında</a:t>
+            </a:r>
+            <a:r>
               <a:rPr lang="en-US" sz="5200" dirty="0">
                 <a:solidFill>
                   <a:schemeClr val="tx2"/>
@@ -26240,7 +26256,7 @@
                   <a:schemeClr val="tx2"/>
                 </a:solidFill>
               </a:rPr>
-              <a:t>Sonrası</a:t>
+              <a:t>Afet</a:t>
             </a:r>
             <a:r>
               <a:rPr lang="en-US" sz="5200" dirty="0">
@@ -26256,7 +26272,7 @@
                   <a:schemeClr val="tx2"/>
                 </a:solidFill>
               </a:rPr>
-              <a:t>Afet</a:t>
+              <a:t>Yönetiminde</a:t>
             </a:r>
             <a:r>
               <a:rPr lang="en-US" sz="5200" dirty="0">
@@ -26272,7 +26288,7 @@
                   <a:schemeClr val="tx2"/>
                 </a:solidFill>
               </a:rPr>
-              <a:t>Yönetiminde</a:t>
+              <a:t>Yapay</a:t>
             </a:r>
             <a:r>
               <a:rPr lang="en-US" sz="5200" dirty="0">
@@ -26288,7 +26304,7 @@
                   <a:schemeClr val="tx2"/>
                 </a:solidFill>
               </a:rPr>
-              <a:t>Yapay</a:t>
+              <a:t>Zeka</a:t>
             </a:r>
             <a:r>
               <a:rPr lang="en-US" sz="5200" dirty="0">
@@ -26304,7 +26320,7 @@
                   <a:schemeClr val="tx2"/>
                 </a:solidFill>
               </a:rPr>
-              <a:t>Zeka</a:t>
+              <a:t>Kullanımı</a:t>
             </a:r>
             <a:r>
               <a:rPr lang="en-US" sz="5200" dirty="0">
@@ -26320,23 +26336,7 @@
                   <a:schemeClr val="tx2"/>
                 </a:solidFill>
               </a:rPr>
-              <a:t>Kullanımı</a:t>
-            </a:r>
-            <a:r>
-              <a:rPr lang="en-US" sz="5200" dirty="0">
-                <a:solidFill>
-                  <a:schemeClr val="tx2"/>
-                </a:solidFill>
-              </a:rPr>
-              <a:t> </a:t>
-            </a:r>
-            <a:r>
-              <a:rPr lang="en-US" sz="5200" dirty="0" err="1">
-                <a:solidFill>
-                  <a:schemeClr val="tx2"/>
-                </a:solidFill>
-              </a:rPr>
-              <a:t>Örneği</a:t>
+              <a:t>Önerisi</a:t>
             </a:r>
             <a:endParaRPr lang="en-US" sz="5200" dirty="0">
               <a:solidFill>
@@ -26379,13 +26379,130 @@
               <a:buChar char="•"/>
             </a:pPr>
             <a:r>
+              <a:rPr lang="tr-TR" sz="2200" dirty="0">
+                <a:solidFill>
+                  <a:schemeClr val="tx2"/>
+                </a:solidFill>
+              </a:rPr>
+              <a:t>G</a:t>
+            </a:r>
+            <a:r>
               <a:rPr lang="en-US" sz="2200" dirty="0">
                 <a:solidFill>
                   <a:schemeClr val="tx2"/>
                 </a:solidFill>
               </a:rPr>
-              <a:t>Global Ai Hub</a:t>
-            </a:r>
+              <a:t>lobal </a:t>
+            </a:r>
+            <a:r>
+              <a:rPr lang="tr-TR" sz="2200" dirty="0">
+                <a:solidFill>
+                  <a:schemeClr val="tx2"/>
+                </a:solidFill>
+              </a:rPr>
+              <a:t>A</a:t>
+            </a:r>
+            <a:r>
+              <a:rPr lang="en-US" sz="2200" dirty="0" err="1">
+                <a:solidFill>
+                  <a:schemeClr val="tx2"/>
+                </a:solidFill>
+              </a:rPr>
+              <a:t>i</a:t>
+            </a:r>
+            <a:r>
+              <a:rPr lang="en-US" sz="2200" dirty="0">
+                <a:solidFill>
+                  <a:schemeClr val="tx2"/>
+                </a:solidFill>
+              </a:rPr>
+              <a:t> </a:t>
+            </a:r>
+            <a:r>
+              <a:rPr lang="tr-TR" sz="2200" dirty="0">
+                <a:solidFill>
+                  <a:schemeClr val="tx2"/>
+                </a:solidFill>
+              </a:rPr>
+              <a:t>H</a:t>
+            </a:r>
+            <a:r>
+              <a:rPr lang="en-US" sz="2200" dirty="0" err="1">
+                <a:solidFill>
+                  <a:schemeClr val="tx2"/>
+                </a:solidFill>
+              </a:rPr>
+              <a:t>ub</a:t>
+            </a:r>
+            <a:r>
+              <a:rPr lang="en-US" sz="2200" dirty="0">
+                <a:solidFill>
+                  <a:schemeClr val="tx2"/>
+                </a:solidFill>
+              </a:rPr>
+              <a:t> </a:t>
+            </a:r>
+            <a:r>
+              <a:rPr lang="en-US" sz="2200" dirty="0" err="1">
+                <a:solidFill>
+                  <a:schemeClr val="tx2"/>
+                </a:solidFill>
+              </a:rPr>
+              <a:t>Aygaz</a:t>
+            </a:r>
+            <a:r>
+              <a:rPr lang="en-US" sz="2200" dirty="0">
+                <a:solidFill>
+                  <a:schemeClr val="tx2"/>
+                </a:solidFill>
+              </a:rPr>
+              <a:t> </a:t>
+            </a:r>
+            <a:r>
+              <a:rPr lang="en-US" sz="2200" dirty="0" err="1">
+                <a:solidFill>
+                  <a:schemeClr val="tx2"/>
+                </a:solidFill>
+              </a:rPr>
+              <a:t>Yapay</a:t>
+            </a:r>
+            <a:r>
+              <a:rPr lang="en-US" sz="2200" dirty="0">
+                <a:solidFill>
+                  <a:schemeClr val="tx2"/>
+                </a:solidFill>
+              </a:rPr>
+              <a:t> </a:t>
+            </a:r>
+            <a:r>
+              <a:rPr lang="en-US" sz="2200" dirty="0" err="1">
+                <a:solidFill>
+                  <a:schemeClr val="tx2"/>
+                </a:solidFill>
+              </a:rPr>
+              <a:t>Zeka</a:t>
+            </a:r>
+            <a:r>
+              <a:rPr lang="en-US" sz="2200" dirty="0">
+                <a:solidFill>
+                  <a:schemeClr val="tx2"/>
+                </a:solidFill>
+              </a:rPr>
+              <a:t> Okur</a:t>
+            </a:r>
+            <a:r>
+              <a:rPr lang="tr-TR" sz="2200" dirty="0">
+                <a:solidFill>
+                  <a:schemeClr val="tx2"/>
+                </a:solidFill>
+              </a:rPr>
+              <a:t>yazarlığı </a:t>
+            </a:r>
+            <a:endParaRPr lang="en-US" sz="2200" dirty="0">
+              <a:solidFill>
+                <a:schemeClr val="tx2"/>
+              </a:solidFill>
+            </a:endParaRPr>
           </a:p>
           <a:p>
             <a:pPr indent="-228600" algn="l">
@@ -26399,10 +26516,7 @@
             </a:endParaRPr>
           </a:p>
           <a:p>
-            <a:pPr indent="-228600" algn="l">
-              <a:buFont typeface="Arial" panose="020B0604020202020204" pitchFamily="34" charset="0"/>
-              <a:buChar char="•"/>
-            </a:pPr>
+            <a:pPr algn="l"/>
             <a:endParaRPr lang="en-US" sz="2200" dirty="0">
               <a:solidFill>
                 <a:schemeClr val="tx2"/>
